--- a/Slides/OmicsPLS course 1 PCA.pptx
+++ b/Slides/OmicsPLS course 1 PCA.pptx
@@ -265,7 +265,7 @@
           <a:p>
             <a:fld id="{1D0781E7-9B05-4E41-96B0-DE9F3ED87C2E}" type="datetimeFigureOut">
               <a:rPr lang="nl-NL" smtClean="0"/>
-              <a:t>21-06-2021</a:t>
+              <a:t>14-08-2022</a:t>
             </a:fld>
             <a:endParaRPr lang="nl-NL"/>
           </a:p>
@@ -12066,19 +12066,6 @@
                   </a:schemeClr>
                 </a:solidFill>
               </a:rPr>
-              <a:t>Group sparse O2PLS</a:t>
-            </a:r>
-          </a:p>
-          <a:p>
-            <a:r>
-              <a:rPr lang="en-US" dirty="0">
-                <a:solidFill>
-                  <a:schemeClr val="tx1">
-                    <a:lumMod val="50000"/>
-                    <a:lumOff val="50000"/>
-                  </a:schemeClr>
-                </a:solidFill>
-              </a:rPr>
               <a:t>Post-hoc analyses using external databases</a:t>
             </a:r>
           </a:p>
@@ -12593,6 +12580,17 @@
           </a:p>
           <a:p>
             <a:r>
+              <a:rPr lang="en-US">
+                <a:solidFill>
+                  <a:schemeClr val="tx1">
+                    <a:lumMod val="50000"/>
+                    <a:lumOff val="50000"/>
+                  </a:schemeClr>
+                </a:solidFill>
+              </a:rPr>
+              <a:t>Post-hoc </a:t>
+            </a:r>
+            <a:r>
               <a:rPr lang="en-US" dirty="0">
                 <a:solidFill>
                   <a:schemeClr val="tx1">
@@ -12601,20 +12599,7 @@
                   </a:schemeClr>
                 </a:solidFill>
               </a:rPr>
-              <a:t>Group sparse O2PLS</a:t>
-            </a:r>
-          </a:p>
-          <a:p>
-            <a:r>
-              <a:rPr lang="en-US" dirty="0">
-                <a:solidFill>
-                  <a:schemeClr val="tx1">
-                    <a:lumMod val="50000"/>
-                    <a:lumOff val="50000"/>
-                  </a:schemeClr>
-                </a:solidFill>
-              </a:rPr>
-              <a:t>Post-hoc analyses using external databases</a:t>
+              <a:t>analyses using external databases</a:t>
             </a:r>
           </a:p>
           <a:p>

--- a/Slides/OmicsPLS course 1 PCA.pptx
+++ b/Slides/OmicsPLS course 1 PCA.pptx
@@ -12,8 +12,8 @@
     <p:sldId id="493" r:id="rId3"/>
     <p:sldId id="494" r:id="rId4"/>
     <p:sldId id="495" r:id="rId5"/>
-    <p:sldId id="496" r:id="rId6"/>
-    <p:sldId id="502" r:id="rId7"/>
+    <p:sldId id="502" r:id="rId6"/>
+    <p:sldId id="496" r:id="rId7"/>
     <p:sldId id="497" r:id="rId8"/>
     <p:sldId id="498" r:id="rId9"/>
     <p:sldId id="499" r:id="rId10"/>
@@ -265,7 +265,7 @@
           <a:p>
             <a:fld id="{1D0781E7-9B05-4E41-96B0-DE9F3ED87C2E}" type="datetimeFigureOut">
               <a:rPr lang="nl-NL" smtClean="0"/>
-              <a:t>14-08-2022</a:t>
+              <a:t>20-08-2022</a:t>
             </a:fld>
             <a:endParaRPr lang="nl-NL"/>
           </a:p>
@@ -714,7 +714,7 @@
     </p:spTree>
     <p:extLst>
       <p:ext uri="{BB962C8B-B14F-4D97-AF65-F5344CB8AC3E}">
-        <p14:creationId xmlns:p14="http://schemas.microsoft.com/office/powerpoint/2010/main" val="1632491034"/>
+        <p14:creationId xmlns:p14="http://schemas.microsoft.com/office/powerpoint/2010/main" val="1850844764"/>
       </p:ext>
     </p:extLst>
   </p:cSld>
@@ -768,14 +768,7 @@
           <a:bodyPr/>
           <a:lstStyle/>
           <a:p>
-            <a:r>
-              <a:rPr lang="en-US" dirty="0"/>
-              <a:t>I</a:t>
-            </a:r>
-            <a:r>
-              <a:rPr lang="en-NL" dirty="0"/>
-              <a:t>nterpretation what we are doing, loadings, scores</a:t>
-            </a:r>
+            <a:endParaRPr lang="en-NL" dirty="0"/>
           </a:p>
         </p:txBody>
       </p:sp>
@@ -805,7 +798,7 @@
     </p:spTree>
     <p:extLst>
       <p:ext uri="{BB962C8B-B14F-4D97-AF65-F5344CB8AC3E}">
-        <p14:creationId xmlns:p14="http://schemas.microsoft.com/office/powerpoint/2010/main" val="1850844764"/>
+        <p14:creationId xmlns:p14="http://schemas.microsoft.com/office/powerpoint/2010/main" val="1632491034"/>
       </p:ext>
     </p:extLst>
   </p:cSld>
@@ -14037,7 +14030,274 @@
 </file>
 
 <file path=ppt/slides/slide4.xml><?xml version="1.0" encoding="utf-8"?>
-<p:sld xmlns:a="http://schemas.openxmlformats.org/drawingml/2006/main" xmlns:r="http://schemas.openxmlformats.org/officeDocument/2006/relationships" xmlns:p="http://schemas.openxmlformats.org/presentationml/2006/main" show="0">
+<p:sld xmlns:a="http://schemas.openxmlformats.org/drawingml/2006/main" xmlns:r="http://schemas.openxmlformats.org/officeDocument/2006/relationships" xmlns:p="http://schemas.openxmlformats.org/presentationml/2006/main">
+  <p:cSld>
+    <p:spTree>
+      <p:nvGrpSpPr>
+        <p:cNvPr id="1" name=""/>
+        <p:cNvGrpSpPr/>
+        <p:nvPr/>
+      </p:nvGrpSpPr>
+      <p:grpSpPr>
+        <a:xfrm>
+          <a:off x="0" y="0"/>
+          <a:ext cx="0" cy="0"/>
+          <a:chOff x="0" y="0"/>
+          <a:chExt cx="0" cy="0"/>
+        </a:xfrm>
+      </p:grpSpPr>
+      <p:sp>
+        <p:nvSpPr>
+          <p:cNvPr id="2" name="Titel 1">
+            <a:extLst>
+              <a:ext uri="{FF2B5EF4-FFF2-40B4-BE49-F238E27FC236}">
+                <a16:creationId xmlns:a16="http://schemas.microsoft.com/office/drawing/2014/main" id="{9990E96A-F0D9-41BC-8F51-1FDEF6A2279D}"/>
+              </a:ext>
+            </a:extLst>
+          </p:cNvPr>
+          <p:cNvSpPr>
+            <a:spLocks noGrp="1"/>
+          </p:cNvSpPr>
+          <p:nvPr>
+            <p:ph type="title"/>
+          </p:nvPr>
+        </p:nvSpPr>
+        <p:spPr/>
+        <p:txBody>
+          <a:bodyPr/>
+          <a:lstStyle/>
+          <a:p>
+            <a:r>
+              <a:rPr lang="en-US" dirty="0"/>
+              <a:t>PCA principle: maximal variance</a:t>
+            </a:r>
+          </a:p>
+        </p:txBody>
+      </p:sp>
+      <mc:AlternateContent xmlns:mc="http://schemas.openxmlformats.org/markup-compatibility/2006" xmlns:a14="http://schemas.microsoft.com/office/drawing/2010/main">
+        <mc:Choice Requires="a14">
+          <p:sp>
+            <p:nvSpPr>
+              <p:cNvPr id="3" name="Tijdelijke aanduiding voor tekst 2">
+                <a:extLst>
+                  <a:ext uri="{FF2B5EF4-FFF2-40B4-BE49-F238E27FC236}">
+                    <a16:creationId xmlns:a16="http://schemas.microsoft.com/office/drawing/2014/main" id="{508FC7CC-F93C-4696-BD85-A4BCE12D2F86}"/>
+                  </a:ext>
+                </a:extLst>
+              </p:cNvPr>
+              <p:cNvSpPr>
+                <a:spLocks noGrp="1"/>
+              </p:cNvSpPr>
+              <p:nvPr>
+                <p:ph type="body" sz="quarter" idx="10"/>
+              </p:nvPr>
+            </p:nvSpPr>
+            <p:spPr>
+              <a:xfrm>
+                <a:off x="467544" y="1916832"/>
+                <a:ext cx="4734272" cy="4608512"/>
+              </a:xfrm>
+            </p:spPr>
+            <p:txBody>
+              <a:bodyPr/>
+              <a:lstStyle/>
+              <a:p>
+                <a14:m>
+                  <m:oMath xmlns:m="http://schemas.openxmlformats.org/officeDocument/2006/math">
+                    <m:r>
+                      <a:rPr lang="nl-NL" b="0" i="1" smtClean="0">
+                        <a:latin typeface="Cambria Math" panose="02040503050406030204" pitchFamily="18" charset="0"/>
+                      </a:rPr>
+                      <m:t>𝑋</m:t>
+                    </m:r>
+                  </m:oMath>
+                </a14:m>
+                <a:r>
+                  <a:rPr lang="en-US" dirty="0"/>
+                  <a:t> is our dataset, where each column has zero mean</a:t>
+                </a:r>
+              </a:p>
+              <a:p>
+                <a:r>
+                  <a:rPr lang="en-US" dirty="0"/>
+                  <a:t>Consider a </a:t>
+                </a:r>
+                <a:r>
+                  <a:rPr lang="en-US" i="1" dirty="0"/>
+                  <a:t>linear combination</a:t>
+                </a:r>
+                <a:r>
+                  <a:rPr lang="en-US" dirty="0"/>
+                  <a:t> of </a:t>
+                </a:r>
+                <a14:m>
+                  <m:oMath xmlns:m="http://schemas.openxmlformats.org/officeDocument/2006/math">
+                    <m:r>
+                      <a:rPr lang="nl-NL" b="0" i="1" smtClean="0">
+                        <a:latin typeface="Cambria Math" panose="02040503050406030204" pitchFamily="18" charset="0"/>
+                      </a:rPr>
+                      <m:t>𝑋</m:t>
+                    </m:r>
+                  </m:oMath>
+                </a14:m>
+                <a:endParaRPr lang="nl-NL" b="1" dirty="0"/>
+              </a:p>
+              <a:p>
+                <a:pPr marL="0" indent="0">
+                  <a:buNone/>
+                </a:pPr>
+                <a:endParaRPr lang="nl-NL" b="1" dirty="0"/>
+              </a:p>
+              <a:p>
+                <a:pPr marL="0" indent="0">
+                  <a:buNone/>
+                </a:pPr>
+                <a:r>
+                  <a:rPr lang="nl-NL" b="1" dirty="0" err="1"/>
+                  <a:t>Which</a:t>
+                </a:r>
+                <a:r>
+                  <a:rPr lang="nl-NL" b="1" dirty="0"/>
+                  <a:t> </a:t>
+                </a:r>
+                <a:r>
+                  <a:rPr lang="nl-NL" b="1" dirty="0" err="1"/>
+                  <a:t>one</a:t>
+                </a:r>
+                <a:r>
+                  <a:rPr lang="nl-NL" b="1" dirty="0"/>
+                  <a:t> has </a:t>
+                </a:r>
+                <a:r>
+                  <a:rPr lang="nl-NL" b="1" dirty="0" err="1"/>
+                  <a:t>the</a:t>
+                </a:r>
+                <a:r>
+                  <a:rPr lang="nl-NL" b="1" dirty="0"/>
+                  <a:t> </a:t>
+                </a:r>
+                <a:r>
+                  <a:rPr lang="nl-NL" b="1" dirty="0" err="1"/>
+                  <a:t>highest</a:t>
+                </a:r>
+                <a:r>
+                  <a:rPr lang="nl-NL" b="1" dirty="0"/>
+                  <a:t> </a:t>
+                </a:r>
+                <a:r>
+                  <a:rPr lang="nl-NL" b="1" dirty="0" err="1"/>
+                  <a:t>variance</a:t>
+                </a:r>
+                <a:r>
+                  <a:rPr lang="nl-NL" b="1" dirty="0"/>
+                  <a:t>?</a:t>
+                </a:r>
+              </a:p>
+              <a:p>
+                <a:r>
+                  <a:rPr lang="nl-NL" dirty="0"/>
+                  <a:t>1*Gene 1 + 1*Gene 2?</a:t>
+                </a:r>
+              </a:p>
+              <a:p>
+                <a:r>
+                  <a:rPr lang="nl-NL" dirty="0"/>
+                  <a:t>1*Gene 1 – 1*Gene 2?</a:t>
+                </a:r>
+                <a:endParaRPr lang="en-US" dirty="0"/>
+              </a:p>
+            </p:txBody>
+          </p:sp>
+        </mc:Choice>
+        <mc:Fallback xmlns="">
+          <p:sp>
+            <p:nvSpPr>
+              <p:cNvPr id="3" name="Tijdelijke aanduiding voor tekst 2">
+                <a:extLst>
+                  <a:ext uri="{FF2B5EF4-FFF2-40B4-BE49-F238E27FC236}">
+                    <a16:creationId xmlns:a16="http://schemas.microsoft.com/office/drawing/2014/main" id="{508FC7CC-F93C-4696-BD85-A4BCE12D2F86}"/>
+                  </a:ext>
+                </a:extLst>
+              </p:cNvPr>
+              <p:cNvSpPr>
+                <a:spLocks noGrp="1" noRot="1" noChangeAspect="1" noMove="1" noResize="1" noEditPoints="1" noAdjustHandles="1" noChangeArrowheads="1" noChangeShapeType="1" noTextEdit="1"/>
+              </p:cNvSpPr>
+              <p:nvPr>
+                <p:ph type="body" sz="quarter" idx="10"/>
+              </p:nvPr>
+            </p:nvSpPr>
+            <p:spPr>
+              <a:xfrm>
+                <a:off x="467544" y="1916832"/>
+                <a:ext cx="4734272" cy="4608512"/>
+              </a:xfrm>
+              <a:blipFill>
+                <a:blip r:embed="rId3"/>
+                <a:stretch>
+                  <a:fillRect l="-2674" t="-1374" r="-2406"/>
+                </a:stretch>
+              </a:blipFill>
+            </p:spPr>
+            <p:txBody>
+              <a:bodyPr/>
+              <a:lstStyle/>
+              <a:p>
+                <a:r>
+                  <a:rPr lang="en-GB">
+                    <a:noFill/>
+                  </a:rPr>
+                  <a:t> </a:t>
+                </a:r>
+              </a:p>
+            </p:txBody>
+          </p:sp>
+        </mc:Fallback>
+      </mc:AlternateContent>
+      <p:pic>
+        <p:nvPicPr>
+          <p:cNvPr id="4" name="Afbeelding 7">
+            <a:extLst>
+              <a:ext uri="{FF2B5EF4-FFF2-40B4-BE49-F238E27FC236}">
+                <a16:creationId xmlns:a16="http://schemas.microsoft.com/office/drawing/2014/main" id="{2C41480D-10BD-2442-BD0F-D9A301CDEB17}"/>
+              </a:ext>
+            </a:extLst>
+          </p:cNvPr>
+          <p:cNvPicPr>
+            <a:picLocks noChangeAspect="1"/>
+          </p:cNvPicPr>
+          <p:nvPr/>
+        </p:nvPicPr>
+        <p:blipFill>
+          <a:blip r:embed="rId4"/>
+          <a:stretch>
+            <a:fillRect/>
+          </a:stretch>
+        </p:blipFill>
+        <p:spPr>
+          <a:xfrm>
+            <a:off x="5201816" y="1628800"/>
+            <a:ext cx="3816424" cy="3816424"/>
+          </a:xfrm>
+          <a:prstGeom prst="rect">
+            <a:avLst/>
+          </a:prstGeom>
+        </p:spPr>
+      </p:pic>
+    </p:spTree>
+    <p:extLst>
+      <p:ext uri="{BB962C8B-B14F-4D97-AF65-F5344CB8AC3E}">
+        <p14:creationId xmlns:p14="http://schemas.microsoft.com/office/powerpoint/2010/main" val="218331734"/>
+      </p:ext>
+    </p:extLst>
+  </p:cSld>
+  <p:clrMapOvr>
+    <a:masterClrMapping/>
+  </p:clrMapOvr>
+</p:sld>
+</file>
+
+<file path=ppt/slides/slide5.xml><?xml version="1.0" encoding="utf-8"?>
+<p:sld xmlns:a="http://schemas.openxmlformats.org/drawingml/2006/main" xmlns:r="http://schemas.openxmlformats.org/officeDocument/2006/relationships" xmlns:p="http://schemas.openxmlformats.org/presentationml/2006/main">
   <p:cSld>
     <p:spTree>
       <p:nvGrpSpPr>
@@ -14560,273 +14820,6 @@
     <p:extLst>
       <p:ext uri="{BB962C8B-B14F-4D97-AF65-F5344CB8AC3E}">
         <p14:creationId xmlns:p14="http://schemas.microsoft.com/office/powerpoint/2010/main" val="4179779207"/>
-      </p:ext>
-    </p:extLst>
-  </p:cSld>
-  <p:clrMapOvr>
-    <a:masterClrMapping/>
-  </p:clrMapOvr>
-</p:sld>
-</file>
-
-<file path=ppt/slides/slide5.xml><?xml version="1.0" encoding="utf-8"?>
-<p:sld xmlns:a="http://schemas.openxmlformats.org/drawingml/2006/main" xmlns:r="http://schemas.openxmlformats.org/officeDocument/2006/relationships" xmlns:p="http://schemas.openxmlformats.org/presentationml/2006/main">
-  <p:cSld>
-    <p:spTree>
-      <p:nvGrpSpPr>
-        <p:cNvPr id="1" name=""/>
-        <p:cNvGrpSpPr/>
-        <p:nvPr/>
-      </p:nvGrpSpPr>
-      <p:grpSpPr>
-        <a:xfrm>
-          <a:off x="0" y="0"/>
-          <a:ext cx="0" cy="0"/>
-          <a:chOff x="0" y="0"/>
-          <a:chExt cx="0" cy="0"/>
-        </a:xfrm>
-      </p:grpSpPr>
-      <p:sp>
-        <p:nvSpPr>
-          <p:cNvPr id="2" name="Titel 1">
-            <a:extLst>
-              <a:ext uri="{FF2B5EF4-FFF2-40B4-BE49-F238E27FC236}">
-                <a16:creationId xmlns:a16="http://schemas.microsoft.com/office/drawing/2014/main" id="{9990E96A-F0D9-41BC-8F51-1FDEF6A2279D}"/>
-              </a:ext>
-            </a:extLst>
-          </p:cNvPr>
-          <p:cNvSpPr>
-            <a:spLocks noGrp="1"/>
-          </p:cNvSpPr>
-          <p:nvPr>
-            <p:ph type="title"/>
-          </p:nvPr>
-        </p:nvSpPr>
-        <p:spPr/>
-        <p:txBody>
-          <a:bodyPr/>
-          <a:lstStyle/>
-          <a:p>
-            <a:r>
-              <a:rPr lang="en-US" dirty="0"/>
-              <a:t>PCA principle: maximal variance</a:t>
-            </a:r>
-          </a:p>
-        </p:txBody>
-      </p:sp>
-      <mc:AlternateContent xmlns:mc="http://schemas.openxmlformats.org/markup-compatibility/2006" xmlns:a14="http://schemas.microsoft.com/office/drawing/2010/main">
-        <mc:Choice Requires="a14">
-          <p:sp>
-            <p:nvSpPr>
-              <p:cNvPr id="3" name="Tijdelijke aanduiding voor tekst 2">
-                <a:extLst>
-                  <a:ext uri="{FF2B5EF4-FFF2-40B4-BE49-F238E27FC236}">
-                    <a16:creationId xmlns:a16="http://schemas.microsoft.com/office/drawing/2014/main" id="{508FC7CC-F93C-4696-BD85-A4BCE12D2F86}"/>
-                  </a:ext>
-                </a:extLst>
-              </p:cNvPr>
-              <p:cNvSpPr>
-                <a:spLocks noGrp="1"/>
-              </p:cNvSpPr>
-              <p:nvPr>
-                <p:ph type="body" sz="quarter" idx="10"/>
-              </p:nvPr>
-            </p:nvSpPr>
-            <p:spPr>
-              <a:xfrm>
-                <a:off x="467544" y="1916832"/>
-                <a:ext cx="4734272" cy="4608512"/>
-              </a:xfrm>
-            </p:spPr>
-            <p:txBody>
-              <a:bodyPr/>
-              <a:lstStyle/>
-              <a:p>
-                <a14:m>
-                  <m:oMath xmlns:m="http://schemas.openxmlformats.org/officeDocument/2006/math">
-                    <m:r>
-                      <a:rPr lang="nl-NL" b="0" i="1" smtClean="0">
-                        <a:latin typeface="Cambria Math" panose="02040503050406030204" pitchFamily="18" charset="0"/>
-                      </a:rPr>
-                      <m:t>𝑋</m:t>
-                    </m:r>
-                  </m:oMath>
-                </a14:m>
-                <a:r>
-                  <a:rPr lang="en-US" dirty="0"/>
-                  <a:t> is our dataset, where each column has zero mean</a:t>
-                </a:r>
-              </a:p>
-              <a:p>
-                <a:r>
-                  <a:rPr lang="en-US" dirty="0"/>
-                  <a:t>Consider a </a:t>
-                </a:r>
-                <a:r>
-                  <a:rPr lang="en-US" i="1" dirty="0"/>
-                  <a:t>linear combination</a:t>
-                </a:r>
-                <a:r>
-                  <a:rPr lang="en-US" dirty="0"/>
-                  <a:t> of </a:t>
-                </a:r>
-                <a14:m>
-                  <m:oMath xmlns:m="http://schemas.openxmlformats.org/officeDocument/2006/math">
-                    <m:r>
-                      <a:rPr lang="nl-NL" b="0" i="1" smtClean="0">
-                        <a:latin typeface="Cambria Math" panose="02040503050406030204" pitchFamily="18" charset="0"/>
-                      </a:rPr>
-                      <m:t>𝑋</m:t>
-                    </m:r>
-                  </m:oMath>
-                </a14:m>
-                <a:endParaRPr lang="nl-NL" b="1" dirty="0"/>
-              </a:p>
-              <a:p>
-                <a:pPr marL="0" indent="0">
-                  <a:buNone/>
-                </a:pPr>
-                <a:endParaRPr lang="nl-NL" b="1" dirty="0"/>
-              </a:p>
-              <a:p>
-                <a:pPr marL="0" indent="0">
-                  <a:buNone/>
-                </a:pPr>
-                <a:r>
-                  <a:rPr lang="nl-NL" b="1" dirty="0" err="1"/>
-                  <a:t>Which</a:t>
-                </a:r>
-                <a:r>
-                  <a:rPr lang="nl-NL" b="1" dirty="0"/>
-                  <a:t> </a:t>
-                </a:r>
-                <a:r>
-                  <a:rPr lang="nl-NL" b="1" dirty="0" err="1"/>
-                  <a:t>one</a:t>
-                </a:r>
-                <a:r>
-                  <a:rPr lang="nl-NL" b="1" dirty="0"/>
-                  <a:t> has </a:t>
-                </a:r>
-                <a:r>
-                  <a:rPr lang="nl-NL" b="1" dirty="0" err="1"/>
-                  <a:t>the</a:t>
-                </a:r>
-                <a:r>
-                  <a:rPr lang="nl-NL" b="1" dirty="0"/>
-                  <a:t> </a:t>
-                </a:r>
-                <a:r>
-                  <a:rPr lang="nl-NL" b="1" dirty="0" err="1"/>
-                  <a:t>highest</a:t>
-                </a:r>
-                <a:r>
-                  <a:rPr lang="nl-NL" b="1" dirty="0"/>
-                  <a:t> </a:t>
-                </a:r>
-                <a:r>
-                  <a:rPr lang="nl-NL" b="1" dirty="0" err="1"/>
-                  <a:t>variance</a:t>
-                </a:r>
-                <a:r>
-                  <a:rPr lang="nl-NL" b="1" dirty="0"/>
-                  <a:t>?</a:t>
-                </a:r>
-              </a:p>
-              <a:p>
-                <a:r>
-                  <a:rPr lang="nl-NL" dirty="0"/>
-                  <a:t>1*Gene 1 + 1*Gene 2?</a:t>
-                </a:r>
-              </a:p>
-              <a:p>
-                <a:r>
-                  <a:rPr lang="nl-NL" dirty="0"/>
-                  <a:t>1*Gene 1 – 1*Gene 2?</a:t>
-                </a:r>
-                <a:endParaRPr lang="en-US" dirty="0"/>
-              </a:p>
-            </p:txBody>
-          </p:sp>
-        </mc:Choice>
-        <mc:Fallback xmlns="">
-          <p:sp>
-            <p:nvSpPr>
-              <p:cNvPr id="3" name="Tijdelijke aanduiding voor tekst 2">
-                <a:extLst>
-                  <a:ext uri="{FF2B5EF4-FFF2-40B4-BE49-F238E27FC236}">
-                    <a16:creationId xmlns:a16="http://schemas.microsoft.com/office/drawing/2014/main" id="{508FC7CC-F93C-4696-BD85-A4BCE12D2F86}"/>
-                  </a:ext>
-                </a:extLst>
-              </p:cNvPr>
-              <p:cNvSpPr>
-                <a:spLocks noGrp="1" noRot="1" noChangeAspect="1" noMove="1" noResize="1" noEditPoints="1" noAdjustHandles="1" noChangeArrowheads="1" noChangeShapeType="1" noTextEdit="1"/>
-              </p:cNvSpPr>
-              <p:nvPr>
-                <p:ph type="body" sz="quarter" idx="10"/>
-              </p:nvPr>
-            </p:nvSpPr>
-            <p:spPr>
-              <a:xfrm>
-                <a:off x="467544" y="1916832"/>
-                <a:ext cx="4734272" cy="4608512"/>
-              </a:xfrm>
-              <a:blipFill>
-                <a:blip r:embed="rId3"/>
-                <a:stretch>
-                  <a:fillRect l="-2674" t="-1374" r="-2406"/>
-                </a:stretch>
-              </a:blipFill>
-            </p:spPr>
-            <p:txBody>
-              <a:bodyPr/>
-              <a:lstStyle/>
-              <a:p>
-                <a:r>
-                  <a:rPr lang="en-GB">
-                    <a:noFill/>
-                  </a:rPr>
-                  <a:t> </a:t>
-                </a:r>
-              </a:p>
-            </p:txBody>
-          </p:sp>
-        </mc:Fallback>
-      </mc:AlternateContent>
-      <p:pic>
-        <p:nvPicPr>
-          <p:cNvPr id="4" name="Afbeelding 7">
-            <a:extLst>
-              <a:ext uri="{FF2B5EF4-FFF2-40B4-BE49-F238E27FC236}">
-                <a16:creationId xmlns:a16="http://schemas.microsoft.com/office/drawing/2014/main" id="{2C41480D-10BD-2442-BD0F-D9A301CDEB17}"/>
-              </a:ext>
-            </a:extLst>
-          </p:cNvPr>
-          <p:cNvPicPr>
-            <a:picLocks noChangeAspect="1"/>
-          </p:cNvPicPr>
-          <p:nvPr/>
-        </p:nvPicPr>
-        <p:blipFill>
-          <a:blip r:embed="rId4"/>
-          <a:stretch>
-            <a:fillRect/>
-          </a:stretch>
-        </p:blipFill>
-        <p:spPr>
-          <a:xfrm>
-            <a:off x="5201816" y="1628800"/>
-            <a:ext cx="3816424" cy="3816424"/>
-          </a:xfrm>
-          <a:prstGeom prst="rect">
-            <a:avLst/>
-          </a:prstGeom>
-        </p:spPr>
-      </p:pic>
-    </p:spTree>
-    <p:extLst>
-      <p:ext uri="{BB962C8B-B14F-4D97-AF65-F5344CB8AC3E}">
-        <p14:creationId xmlns:p14="http://schemas.microsoft.com/office/powerpoint/2010/main" val="218331734"/>
       </p:ext>
     </p:extLst>
   </p:cSld>
